--- a/Susan/HW4_Upper Cutoff Point/2020 SDA I NCTU_0856706_HW4.pptx
+++ b/Susan/HW4_Upper Cutoff Point/2020 SDA I NCTU_0856706_HW4.pptx
@@ -689,7 +689,7 @@
           </a:ln>
           <a:extLst>
             <a:ext uri="{C572A759-6A51-4108-AA02-DFA0A04FC94B}">
-              <ma14:wrappingTextBoxFlag xmlns="" xmlns:m="http://schemas.openxmlformats.org/officeDocument/2006/math" xmlns:a14="http://schemas.microsoft.com/office/drawing/2010/main" xmlns:ma14="http://schemas.microsoft.com/office/mac/drawingml/2011/main" val="1"/>
+              <ma14:wrappingTextBoxFlag xmlns:ma14="http://schemas.microsoft.com/office/mac/drawingml/2011/main" xmlns:a14="http://schemas.microsoft.com/office/drawing/2010/main" xmlns:m="http://schemas.openxmlformats.org/officeDocument/2006/math" xmlns="" val="1"/>
             </a:ext>
           </a:extLst>
         </p:spPr>
@@ -1309,7 +1309,7 @@
           </a:ln>
           <a:extLst>
             <a:ext uri="{C572A759-6A51-4108-AA02-DFA0A04FC94B}">
-              <ma14:wrappingTextBoxFlag xmlns="" xmlns:m="http://schemas.openxmlformats.org/officeDocument/2006/math" xmlns:a14="http://schemas.microsoft.com/office/drawing/2010/main" xmlns:ma14="http://schemas.microsoft.com/office/mac/drawingml/2011/main" val="1"/>
+              <ma14:wrappingTextBoxFlag xmlns:ma14="http://schemas.microsoft.com/office/mac/drawingml/2011/main" xmlns:a14="http://schemas.microsoft.com/office/drawing/2010/main" xmlns:m="http://schemas.openxmlformats.org/officeDocument/2006/math" xmlns="" val="1"/>
             </a:ext>
           </a:extLst>
         </p:spPr>
@@ -1360,7 +1360,7 @@
           </a:ln>
           <a:extLst>
             <a:ext uri="{C572A759-6A51-4108-AA02-DFA0A04FC94B}">
-              <ma14:wrappingTextBoxFlag xmlns="" xmlns:m="http://schemas.openxmlformats.org/officeDocument/2006/math" xmlns:a14="http://schemas.microsoft.com/office/drawing/2010/main" xmlns:ma14="http://schemas.microsoft.com/office/mac/drawingml/2011/main" val="1"/>
+              <ma14:wrappingTextBoxFlag xmlns:ma14="http://schemas.microsoft.com/office/mac/drawingml/2011/main" xmlns:a14="http://schemas.microsoft.com/office/drawing/2010/main" xmlns:m="http://schemas.openxmlformats.org/officeDocument/2006/math" xmlns="" val="1"/>
             </a:ext>
           </a:extLst>
         </p:spPr>
@@ -1399,7 +1399,7 @@
           </a:ln>
           <a:extLst>
             <a:ext uri="{C572A759-6A51-4108-AA02-DFA0A04FC94B}">
-              <ma14:wrappingTextBoxFlag xmlns="" xmlns:m="http://schemas.openxmlformats.org/officeDocument/2006/math" xmlns:a14="http://schemas.microsoft.com/office/drawing/2010/main" xmlns:ma14="http://schemas.microsoft.com/office/mac/drawingml/2011/main" val="1"/>
+              <ma14:wrappingTextBoxFlag xmlns:ma14="http://schemas.microsoft.com/office/mac/drawingml/2011/main" xmlns:a14="http://schemas.microsoft.com/office/drawing/2010/main" xmlns:m="http://schemas.openxmlformats.org/officeDocument/2006/math" xmlns="" val="1"/>
             </a:ext>
           </a:extLst>
         </p:spPr>
@@ -8961,12 +8961,18 @@
           </a:prstGeom>
         </p:spPr>
         <p:txBody>
-          <a:bodyPr/>
+          <a:bodyPr>
+            <a:normAutofit fontScale="92500" lnSpcReduction="20000"/>
+          </a:bodyPr>
           <a:lstStyle/>
           <a:p>
             <a:r>
               <a:rPr lang="en-US" altLang="zh-TW" dirty="0" smtClean="0"/>
-              <a:t>Probability of Upper </a:t>
+              <a:t>Probability of </a:t>
+            </a:r>
+            <a:r>
+              <a:rPr lang="en-US" altLang="zh-TW" dirty="0" smtClean="0"/>
+              <a:t>the Data that Lies Outside the Upper </a:t>
             </a:r>
             <a:r>
               <a:rPr lang="en-US" altLang="zh-TW" dirty="0"/>
@@ -8996,7 +9002,7 @@
           </a:prstGeom>
           <a:extLst>
             <a:ext uri="{C572A759-6A51-4108-AA02-DFA0A04FC94B}">
-              <ma14:wrappingTextBoxFlag xmlns="" xmlns:m="http://schemas.openxmlformats.org/officeDocument/2006/math" xmlns:a14="http://schemas.microsoft.com/office/drawing/2010/main" xmlns:ma14="http://schemas.microsoft.com/office/mac/drawingml/2011/main" val="1"/>
+              <ma14:wrappingTextBoxFlag xmlns:ma14="http://schemas.microsoft.com/office/mac/drawingml/2011/main" xmlns:a14="http://schemas.microsoft.com/office/drawing/2010/main" xmlns:m="http://schemas.openxmlformats.org/officeDocument/2006/math" xmlns="" val="1"/>
             </a:ext>
           </a:extLst>
         </p:spPr>
@@ -9032,7 +9038,7 @@
           </a:ln>
           <a:extLst>
             <a:ext uri="{C572A759-6A51-4108-AA02-DFA0A04FC94B}">
-              <ma14:wrappingTextBoxFlag xmlns="" xmlns:m="http://schemas.openxmlformats.org/officeDocument/2006/math" xmlns:a14="http://schemas.microsoft.com/office/drawing/2010/main" xmlns:ma14="http://schemas.microsoft.com/office/mac/drawingml/2011/main" val="1"/>
+              <ma14:wrappingTextBoxFlag xmlns:ma14="http://schemas.microsoft.com/office/mac/drawingml/2011/main" xmlns:a14="http://schemas.microsoft.com/office/drawing/2010/main" xmlns:m="http://schemas.openxmlformats.org/officeDocument/2006/math" xmlns="" val="1"/>
             </a:ext>
           </a:extLst>
         </p:spPr>
@@ -9113,7 +9119,7 @@
           </a:prstGeom>
           <a:extLst>
             <a:ext uri="{C572A759-6A51-4108-AA02-DFA0A04FC94B}">
-              <ma14:wrappingTextBoxFlag xmlns="" xmlns:m="http://schemas.openxmlformats.org/officeDocument/2006/math" xmlns:a14="http://schemas.microsoft.com/office/drawing/2010/main" xmlns:ma14="http://schemas.microsoft.com/office/mac/drawingml/2011/main" val="1"/>
+              <ma14:wrappingTextBoxFlag xmlns:ma14="http://schemas.microsoft.com/office/mac/drawingml/2011/main" xmlns:a14="http://schemas.microsoft.com/office/drawing/2010/main" xmlns:m="http://schemas.openxmlformats.org/officeDocument/2006/math" xmlns="" val="1"/>
             </a:ext>
           </a:extLst>
         </p:spPr>
@@ -9155,7 +9161,15 @@
             </a:r>
             <a:r>
               <a:rPr lang="en-US" altLang="zh-TW" dirty="0" smtClean="0"/>
-              <a:t>Quantile for Normal Distribution</a:t>
+              <a:t>Upper Cutoff Point </a:t>
+            </a:r>
+            <a:r>
+              <a:rPr lang="en-US" altLang="zh-TW" dirty="0" smtClean="0"/>
+              <a:t>for </a:t>
+            </a:r>
+            <a:r>
+              <a:rPr lang="en-US" altLang="zh-TW" dirty="0" smtClean="0"/>
+              <a:t>Normal Distribution</a:t>
             </a:r>
             <a:endParaRPr dirty="0"/>
           </a:p>
@@ -9382,7 +9396,7 @@
           </a:prstGeom>
           <a:extLst>
             <a:ext uri="{C572A759-6A51-4108-AA02-DFA0A04FC94B}">
-              <ma14:wrappingTextBoxFlag xmlns="" xmlns:m="http://schemas.openxmlformats.org/officeDocument/2006/math" xmlns:a14="http://schemas.microsoft.com/office/drawing/2010/main" xmlns:ma14="http://schemas.microsoft.com/office/mac/drawingml/2011/main" val="1"/>
+              <ma14:wrappingTextBoxFlag xmlns:ma14="http://schemas.microsoft.com/office/mac/drawingml/2011/main" xmlns:a14="http://schemas.microsoft.com/office/drawing/2010/main" xmlns:m="http://schemas.openxmlformats.org/officeDocument/2006/math" xmlns="" val="1"/>
             </a:ext>
           </a:extLst>
         </p:spPr>
@@ -9420,7 +9434,7 @@
           <a:p>
             <a:r>
               <a:rPr lang="en-US" altLang="zh-TW" dirty="0" smtClean="0"/>
-              <a:t>Plot Box</a:t>
+              <a:t>Boxplot</a:t>
             </a:r>
             <a:endParaRPr dirty="0"/>
           </a:p>
@@ -9652,7 +9666,7 @@
           </a:prstGeom>
           <a:extLst>
             <a:ext uri="{C572A759-6A51-4108-AA02-DFA0A04FC94B}">
-              <ma14:wrappingTextBoxFlag xmlns="" xmlns:m="http://schemas.openxmlformats.org/officeDocument/2006/math" xmlns:a14="http://schemas.microsoft.com/office/drawing/2010/main" xmlns:ma14="http://schemas.microsoft.com/office/mac/drawingml/2011/main" val="1"/>
+              <ma14:wrappingTextBoxFlag xmlns:ma14="http://schemas.microsoft.com/office/mac/drawingml/2011/main" xmlns:a14="http://schemas.microsoft.com/office/drawing/2010/main" xmlns:m="http://schemas.openxmlformats.org/officeDocument/2006/math" xmlns="" val="1"/>
             </a:ext>
           </a:extLst>
         </p:spPr>
@@ -9685,16 +9699,22 @@
           </a:prstGeom>
         </p:spPr>
         <p:txBody>
-          <a:bodyPr/>
+          <a:bodyPr>
+            <a:normAutofit fontScale="90000"/>
+          </a:bodyPr>
           <a:lstStyle/>
           <a:p>
             <a:r>
-              <a:rPr lang="en-US" altLang="zh-TW"/>
+              <a:rPr lang="en-US" altLang="zh-TW" dirty="0"/>
               <a:t>Calculate </a:t>
             </a:r>
             <a:r>
-              <a:rPr lang="en-US" altLang="zh-TW" smtClean="0"/>
-              <a:t>Probability</a:t>
+              <a:rPr lang="en-US" altLang="zh-TW" dirty="0" smtClean="0"/>
+              <a:t>Probability of the Data that will </a:t>
+            </a:r>
+            <a:r>
+              <a:rPr lang="en-US" altLang="zh-TW" dirty="0"/>
+              <a:t>Lie Outside the Upper Cutoff Point</a:t>
             </a:r>
             <a:endParaRPr dirty="0"/>
           </a:p>
